--- a/Powerpoint/SoulPactum Webshop.pptx
+++ b/Powerpoint/SoulPactum Webshop.pptx
@@ -210,7 +210,7 @@
           <a:p>
             <a:fld id="{83143C9C-D484-4117-BA00-863950A70816}" type="datetimeFigureOut">
               <a:rPr lang="hu-HU" smtClean="0"/>
-              <a:t>2024. 04. 11.</a:t>
+              <a:t>2024. 04. 22.</a:t>
             </a:fld>
             <a:endParaRPr lang="hu-HU"/>
           </a:p>
@@ -708,7 +708,7 @@
           <a:p>
             <a:fld id="{2D1320D6-CFE4-42DF-8DC9-240A7942E8C5}" type="datetimeFigureOut">
               <a:rPr lang="hu-HU" smtClean="0"/>
-              <a:t>2024. 04. 11.</a:t>
+              <a:t>2024. 04. 22.</a:t>
             </a:fld>
             <a:endParaRPr lang="hu-HU"/>
           </a:p>
@@ -906,7 +906,7 @@
           <a:p>
             <a:fld id="{2D1320D6-CFE4-42DF-8DC9-240A7942E8C5}" type="datetimeFigureOut">
               <a:rPr lang="hu-HU" smtClean="0"/>
-              <a:t>2024. 04. 11.</a:t>
+              <a:t>2024. 04. 22.</a:t>
             </a:fld>
             <a:endParaRPr lang="hu-HU"/>
           </a:p>
@@ -1114,7 +1114,7 @@
           <a:p>
             <a:fld id="{2D1320D6-CFE4-42DF-8DC9-240A7942E8C5}" type="datetimeFigureOut">
               <a:rPr lang="hu-HU" smtClean="0"/>
-              <a:t>2024. 04. 11.</a:t>
+              <a:t>2024. 04. 22.</a:t>
             </a:fld>
             <a:endParaRPr lang="hu-HU"/>
           </a:p>
@@ -1312,7 +1312,7 @@
           <a:p>
             <a:fld id="{2D1320D6-CFE4-42DF-8DC9-240A7942E8C5}" type="datetimeFigureOut">
               <a:rPr lang="hu-HU" smtClean="0"/>
-              <a:t>2024. 04. 11.</a:t>
+              <a:t>2024. 04. 22.</a:t>
             </a:fld>
             <a:endParaRPr lang="hu-HU"/>
           </a:p>
@@ -1587,7 +1587,7 @@
           <a:p>
             <a:fld id="{2D1320D6-CFE4-42DF-8DC9-240A7942E8C5}" type="datetimeFigureOut">
               <a:rPr lang="hu-HU" smtClean="0"/>
-              <a:t>2024. 04. 11.</a:t>
+              <a:t>2024. 04. 22.</a:t>
             </a:fld>
             <a:endParaRPr lang="hu-HU"/>
           </a:p>
@@ -1852,7 +1852,7 @@
           <a:p>
             <a:fld id="{2D1320D6-CFE4-42DF-8DC9-240A7942E8C5}" type="datetimeFigureOut">
               <a:rPr lang="hu-HU" smtClean="0"/>
-              <a:t>2024. 04. 11.</a:t>
+              <a:t>2024. 04. 22.</a:t>
             </a:fld>
             <a:endParaRPr lang="hu-HU"/>
           </a:p>
@@ -2264,7 +2264,7 @@
           <a:p>
             <a:fld id="{2D1320D6-CFE4-42DF-8DC9-240A7942E8C5}" type="datetimeFigureOut">
               <a:rPr lang="hu-HU" smtClean="0"/>
-              <a:t>2024. 04. 11.</a:t>
+              <a:t>2024. 04. 22.</a:t>
             </a:fld>
             <a:endParaRPr lang="hu-HU"/>
           </a:p>
@@ -2405,7 +2405,7 @@
           <a:p>
             <a:fld id="{2D1320D6-CFE4-42DF-8DC9-240A7942E8C5}" type="datetimeFigureOut">
               <a:rPr lang="hu-HU" smtClean="0"/>
-              <a:t>2024. 04. 11.</a:t>
+              <a:t>2024. 04. 22.</a:t>
             </a:fld>
             <a:endParaRPr lang="hu-HU"/>
           </a:p>
@@ -2518,7 +2518,7 @@
           <a:p>
             <a:fld id="{2D1320D6-CFE4-42DF-8DC9-240A7942E8C5}" type="datetimeFigureOut">
               <a:rPr lang="hu-HU" smtClean="0"/>
-              <a:t>2024. 04. 11.</a:t>
+              <a:t>2024. 04. 22.</a:t>
             </a:fld>
             <a:endParaRPr lang="hu-HU"/>
           </a:p>
@@ -2829,7 +2829,7 @@
           <a:p>
             <a:fld id="{2D1320D6-CFE4-42DF-8DC9-240A7942E8C5}" type="datetimeFigureOut">
               <a:rPr lang="hu-HU" smtClean="0"/>
-              <a:t>2024. 04. 11.</a:t>
+              <a:t>2024. 04. 22.</a:t>
             </a:fld>
             <a:endParaRPr lang="hu-HU"/>
           </a:p>
@@ -3117,7 +3117,7 @@
           <a:p>
             <a:fld id="{2D1320D6-CFE4-42DF-8DC9-240A7942E8C5}" type="datetimeFigureOut">
               <a:rPr lang="hu-HU" smtClean="0"/>
-              <a:t>2024. 04. 11.</a:t>
+              <a:t>2024. 04. 22.</a:t>
             </a:fld>
             <a:endParaRPr lang="hu-HU"/>
           </a:p>
@@ -3379,7 +3379,7 @@
           <a:p>
             <a:fld id="{2D1320D6-CFE4-42DF-8DC9-240A7942E8C5}" type="datetimeFigureOut">
               <a:rPr lang="hu-HU" smtClean="0"/>
-              <a:t>2024. 04. 11.</a:t>
+              <a:t>2024. 04. 22.</a:t>
             </a:fld>
             <a:endParaRPr lang="hu-HU"/>
           </a:p>
@@ -3856,7 +3856,7 @@
             </a:r>
             <a:r>
               <a:rPr lang="hu-HU" dirty="0" err="1"/>
-              <a:t>it</a:t>
+              <a:t>by</a:t>
             </a:r>
             <a:r>
               <a:rPr lang="hu-HU" dirty="0"/>
@@ -5470,8 +5470,8 @@
         </p:nvSpPr>
         <p:spPr bwMode="auto">
           <a:xfrm>
-            <a:off x="273433" y="3416517"/>
-            <a:ext cx="5746368" cy="1169551"/>
+            <a:off x="273433" y="3308795"/>
+            <a:ext cx="5746368" cy="1384995"/>
           </a:xfrm>
           <a:prstGeom prst="rect">
             <a:avLst/>
@@ -5652,302 +5652,117 @@
               </a:lnSpc>
             </a:pPr>
             <a:r>
-              <a:rPr lang="hu-HU" altLang="hu-HU" sz="2000" dirty="0" err="1">
-                <a:latin typeface="inherit"/>
-              </a:rPr>
-              <a:t>A</a:t>
-            </a:r>
-            <a:r>
-              <a:rPr kumimoji="0" lang="hu-HU" altLang="hu-HU" sz="2000" b="0" i="0" u="none" strike="noStrike" cap="none" normalizeH="0" baseline="0" dirty="0" err="1">
-                <a:ln>
-                  <a:noFill/>
-                </a:ln>
-                <a:solidFill>
-                  <a:schemeClr val="tx1"/>
-                </a:solidFill>
-                <a:effectLst/>
-                <a:latin typeface="inherit"/>
-              </a:rPr>
-              <a:t>fter</a:t>
-            </a:r>
-            <a:r>
-              <a:rPr kumimoji="0" lang="hu-HU" altLang="hu-HU" sz="2000" b="0" i="0" u="none" strike="noStrike" cap="none" normalizeH="0" baseline="0" dirty="0">
-                <a:ln>
-                  <a:noFill/>
-                </a:ln>
-                <a:solidFill>
-                  <a:schemeClr val="tx1"/>
-                </a:solidFill>
-                <a:effectLst/>
-                <a:latin typeface="inherit"/>
-              </a:rPr>
+              <a:rPr lang="hu-HU" altLang="hu-HU" sz="2400" dirty="0" err="1"/>
+              <a:t>After</a:t>
+            </a:r>
+            <a:r>
+              <a:rPr lang="hu-HU" altLang="hu-HU" sz="2400" dirty="0"/>
               <a:t> </a:t>
             </a:r>
             <a:r>
-              <a:rPr kumimoji="0" lang="hu-HU" altLang="hu-HU" sz="2000" b="0" i="0" u="none" strike="noStrike" cap="none" normalizeH="0" baseline="0" dirty="0" err="1">
-                <a:ln>
-                  <a:noFill/>
-                </a:ln>
-                <a:solidFill>
-                  <a:schemeClr val="tx1"/>
-                </a:solidFill>
-                <a:effectLst/>
-                <a:latin typeface="inherit"/>
-              </a:rPr>
-              <a:t>successful</a:t>
-            </a:r>
-            <a:r>
-              <a:rPr kumimoji="0" lang="hu-HU" altLang="hu-HU" sz="2000" b="0" i="0" u="none" strike="noStrike" cap="none" normalizeH="0" baseline="0" dirty="0">
-                <a:ln>
-                  <a:noFill/>
-                </a:ln>
-                <a:solidFill>
-                  <a:schemeClr val="tx1"/>
-                </a:solidFill>
-                <a:effectLst/>
-                <a:latin typeface="inherit"/>
-              </a:rPr>
-              <a:t> login, </a:t>
-            </a:r>
-            <a:r>
-              <a:rPr kumimoji="0" lang="hu-HU" altLang="hu-HU" sz="2000" b="0" i="0" u="none" strike="noStrike" cap="none" normalizeH="0" baseline="0" dirty="0" err="1">
-                <a:ln>
-                  <a:noFill/>
-                </a:ln>
-                <a:solidFill>
-                  <a:schemeClr val="tx1"/>
-                </a:solidFill>
-                <a:effectLst/>
-                <a:latin typeface="inherit"/>
-              </a:rPr>
+              <a:rPr lang="hu-HU" altLang="hu-HU" sz="2400" dirty="0" err="1"/>
+              <a:t>logging</a:t>
+            </a:r>
+            <a:r>
+              <a:rPr lang="hu-HU" altLang="hu-HU" sz="2400" dirty="0"/>
+              <a:t> </a:t>
+            </a:r>
+            <a:r>
+              <a:rPr lang="hu-HU" altLang="hu-HU" sz="2400" dirty="0" err="1"/>
+              <a:t>successfully</a:t>
+            </a:r>
+            <a:r>
+              <a:rPr lang="hu-HU" altLang="hu-HU" sz="2400" dirty="0"/>
+              <a:t>, </a:t>
+            </a:r>
+            <a:r>
+              <a:rPr lang="hu-HU" altLang="hu-HU" sz="2400" dirty="0" err="1"/>
+              <a:t>the</a:t>
+            </a:r>
+            <a:r>
+              <a:rPr lang="hu-HU" altLang="hu-HU" sz="2400" dirty="0"/>
+              <a:t> </a:t>
+            </a:r>
+            <a:r>
+              <a:rPr lang="hu-HU" altLang="hu-HU" sz="2400" dirty="0" err="1"/>
+              <a:t>admin</a:t>
+            </a:r>
+            <a:r>
+              <a:rPr lang="hu-HU" altLang="hu-HU" sz="2400" dirty="0"/>
+              <a:t> </a:t>
+            </a:r>
+            <a:r>
+              <a:rPr lang="hu-HU" altLang="hu-HU" sz="2400" dirty="0" err="1"/>
+              <a:t>sees</a:t>
+            </a:r>
+            <a:r>
+              <a:rPr lang="hu-HU" altLang="hu-HU" sz="2400" dirty="0"/>
+              <a:t> </a:t>
+            </a:r>
+            <a:r>
+              <a:rPr lang="hu-HU" altLang="hu-HU" sz="2400" dirty="0" err="1"/>
               <a:t>this</a:t>
             </a:r>
             <a:r>
-              <a:rPr kumimoji="0" lang="hu-HU" altLang="hu-HU" sz="2000" b="0" i="0" u="none" strike="noStrike" cap="none" normalizeH="0" baseline="0" dirty="0">
-                <a:ln>
-                  <a:noFill/>
-                </a:ln>
-                <a:solidFill>
-                  <a:schemeClr val="tx1"/>
-                </a:solidFill>
-                <a:effectLst/>
-                <a:latin typeface="inherit"/>
-              </a:rPr>
+              <a:rPr lang="hu-HU" altLang="hu-HU" sz="2400" dirty="0"/>
               <a:t> </a:t>
             </a:r>
             <a:r>
-              <a:rPr kumimoji="0" lang="hu-HU" altLang="hu-HU" sz="2000" b="0" i="0" u="none" strike="noStrike" cap="none" normalizeH="0" baseline="0" dirty="0" err="1">
-                <a:ln>
-                  <a:noFill/>
-                </a:ln>
-                <a:solidFill>
-                  <a:schemeClr val="tx1"/>
-                </a:solidFill>
-                <a:effectLst/>
-                <a:latin typeface="inherit"/>
-              </a:rPr>
+              <a:rPr lang="hu-HU" altLang="hu-HU" sz="2400" dirty="0" err="1"/>
               <a:t>page</a:t>
             </a:r>
             <a:r>
-              <a:rPr kumimoji="0" lang="hu-HU" altLang="hu-HU" sz="2000" b="0" i="0" u="none" strike="noStrike" cap="none" normalizeH="0" baseline="0" dirty="0">
-                <a:ln>
-                  <a:noFill/>
-                </a:ln>
-                <a:solidFill>
-                  <a:schemeClr val="tx1"/>
-                </a:solidFill>
-                <a:effectLst/>
-                <a:latin typeface="inherit"/>
-              </a:rPr>
+              <a:rPr lang="hu-HU" altLang="hu-HU" sz="2400" dirty="0"/>
+              <a:t>. </a:t>
+            </a:r>
+            <a:r>
+              <a:rPr lang="hu-HU" altLang="hu-HU" sz="2400" dirty="0" err="1"/>
+              <a:t>It</a:t>
+            </a:r>
+            <a:r>
+              <a:rPr lang="hu-HU" altLang="hu-HU" sz="2400" dirty="0"/>
               <a:t> </a:t>
             </a:r>
             <a:r>
-              <a:rPr kumimoji="0" lang="hu-HU" altLang="hu-HU" sz="2000" b="0" i="0" u="none" strike="noStrike" cap="none" normalizeH="0" baseline="0" dirty="0" err="1">
-                <a:ln>
-                  <a:noFill/>
-                </a:ln>
-                <a:solidFill>
-                  <a:schemeClr val="tx1"/>
-                </a:solidFill>
-                <a:effectLst/>
-                <a:latin typeface="inherit"/>
-              </a:rPr>
-              <a:t>welcomes</a:t>
-            </a:r>
-            <a:r>
-              <a:rPr kumimoji="0" lang="hu-HU" altLang="hu-HU" sz="2000" b="0" i="0" u="none" strike="noStrike" cap="none" normalizeH="0" baseline="0" dirty="0">
-                <a:ln>
-                  <a:noFill/>
-                </a:ln>
-                <a:solidFill>
-                  <a:schemeClr val="tx1"/>
-                </a:solidFill>
-                <a:effectLst/>
-                <a:latin typeface="inherit"/>
-              </a:rPr>
+              <a:rPr lang="hu-HU" altLang="hu-HU" sz="2400" dirty="0" err="1"/>
+              <a:t>contains</a:t>
+            </a:r>
+            <a:r>
+              <a:rPr lang="hu-HU" altLang="hu-HU" sz="2400" dirty="0"/>
               <a:t> </a:t>
             </a:r>
             <a:r>
-              <a:rPr kumimoji="0" lang="hu-HU" altLang="hu-HU" sz="2000" b="0" i="0" u="none" strike="noStrike" cap="none" normalizeH="0" baseline="0" dirty="0" err="1">
-                <a:ln>
-                  <a:noFill/>
-                </a:ln>
-                <a:solidFill>
-                  <a:schemeClr val="tx1"/>
-                </a:solidFill>
-                <a:effectLst/>
-                <a:latin typeface="inherit"/>
-              </a:rPr>
-              <a:t>the</a:t>
-            </a:r>
-            <a:r>
-              <a:rPr kumimoji="0" lang="hu-HU" altLang="hu-HU" sz="2000" b="0" i="0" u="none" strike="noStrike" cap="none" normalizeH="0" baseline="0" dirty="0">
-                <a:ln>
-                  <a:noFill/>
-                </a:ln>
-                <a:solidFill>
-                  <a:schemeClr val="tx1"/>
-                </a:solidFill>
-                <a:effectLst/>
-                <a:latin typeface="inherit"/>
-              </a:rPr>
+              <a:rPr lang="hu-HU" altLang="hu-HU" sz="2400" dirty="0" err="1"/>
+              <a:t>some</a:t>
+            </a:r>
+            <a:r>
+              <a:rPr lang="hu-HU" altLang="hu-HU" sz="2400" dirty="0"/>
               <a:t> </a:t>
             </a:r>
             <a:r>
-              <a:rPr kumimoji="0" lang="hu-HU" altLang="hu-HU" sz="2000" b="0" i="0" u="none" strike="noStrike" cap="none" normalizeH="0" baseline="0" dirty="0" err="1">
-                <a:ln>
-                  <a:noFill/>
-                </a:ln>
-                <a:solidFill>
-                  <a:schemeClr val="tx1"/>
-                </a:solidFill>
-                <a:effectLst/>
-                <a:latin typeface="inherit"/>
-              </a:rPr>
-              <a:t>admin</a:t>
-            </a:r>
-            <a:endParaRPr lang="hu-HU" altLang="hu-HU" sz="2000" dirty="0">
-              <a:latin typeface="inherit"/>
-            </a:endParaRPr>
-          </a:p>
-          <a:p>
-            <a:pPr>
-              <a:lnSpc>
-                <a:spcPct val="100000"/>
-              </a:lnSpc>
-            </a:pPr>
-            <a:r>
-              <a:rPr kumimoji="0" lang="hu-HU" altLang="hu-HU" sz="2000" b="0" i="0" u="none" strike="noStrike" cap="none" normalizeH="0" baseline="0" dirty="0" err="1">
-                <a:ln>
-                  <a:noFill/>
-                </a:ln>
-                <a:solidFill>
-                  <a:schemeClr val="tx1"/>
-                </a:solidFill>
-                <a:effectLst/>
-                <a:latin typeface="inherit"/>
-              </a:rPr>
-              <a:t>There</a:t>
-            </a:r>
-            <a:r>
-              <a:rPr kumimoji="0" lang="hu-HU" altLang="hu-HU" sz="2000" b="0" i="0" u="none" strike="noStrike" cap="none" normalizeH="0" baseline="0" dirty="0">
-                <a:ln>
-                  <a:noFill/>
-                </a:ln>
-                <a:solidFill>
-                  <a:schemeClr val="tx1"/>
-                </a:solidFill>
-                <a:effectLst/>
-                <a:latin typeface="inherit"/>
-              </a:rPr>
+              <a:rPr lang="hu-HU" altLang="hu-HU" sz="2400" dirty="0" err="1"/>
+              <a:t>information</a:t>
+            </a:r>
+            <a:r>
+              <a:rPr lang="hu-HU" altLang="hu-HU" sz="2400" dirty="0"/>
               <a:t> </a:t>
             </a:r>
             <a:r>
-              <a:rPr kumimoji="0" lang="hu-HU" altLang="hu-HU" sz="2000" b="0" i="0" u="none" strike="noStrike" cap="none" normalizeH="0" baseline="0" dirty="0" err="1">
-                <a:ln>
-                  <a:noFill/>
-                </a:ln>
-                <a:solidFill>
-                  <a:schemeClr val="tx1"/>
-                </a:solidFill>
-                <a:effectLst/>
-                <a:latin typeface="inherit"/>
-              </a:rPr>
-              <a:t>are</a:t>
-            </a:r>
-            <a:r>
-              <a:rPr kumimoji="0" lang="hu-HU" altLang="hu-HU" sz="2000" b="0" i="0" u="none" strike="noStrike" cap="none" normalizeH="0" baseline="0" dirty="0">
-                <a:ln>
-                  <a:noFill/>
-                </a:ln>
-                <a:solidFill>
-                  <a:schemeClr val="tx1"/>
-                </a:solidFill>
-                <a:effectLst/>
-                <a:latin typeface="inherit"/>
-              </a:rPr>
-              <a:t> </a:t>
-            </a:r>
-            <a:r>
-              <a:rPr kumimoji="0" lang="hu-HU" altLang="hu-HU" sz="2000" b="0" i="0" u="none" strike="noStrike" cap="none" normalizeH="0" baseline="0" dirty="0" err="1">
-                <a:ln>
-                  <a:noFill/>
-                </a:ln>
-                <a:solidFill>
-                  <a:schemeClr val="tx1"/>
-                </a:solidFill>
-                <a:effectLst/>
-                <a:latin typeface="inherit"/>
-              </a:rPr>
-              <a:t>eight</a:t>
-            </a:r>
-            <a:r>
-              <a:rPr kumimoji="0" lang="hu-HU" altLang="hu-HU" sz="2000" b="0" i="0" u="none" strike="noStrike" cap="none" normalizeH="0" baseline="0" dirty="0">
-                <a:ln>
-                  <a:noFill/>
-                </a:ln>
-                <a:solidFill>
-                  <a:schemeClr val="tx1"/>
-                </a:solidFill>
-                <a:effectLst/>
-                <a:latin typeface="inherit"/>
-              </a:rPr>
-              <a:t> </a:t>
-            </a:r>
-            <a:r>
-              <a:rPr kumimoji="0" lang="hu-HU" altLang="hu-HU" sz="2000" b="0" i="0" u="none" strike="noStrike" cap="none" normalizeH="0" baseline="0" dirty="0" err="1">
-                <a:ln>
-                  <a:noFill/>
-                </a:ln>
-                <a:solidFill>
-                  <a:schemeClr val="tx1"/>
-                </a:solidFill>
-                <a:effectLst/>
-                <a:latin typeface="inherit"/>
-              </a:rPr>
-              <a:t>buttons</a:t>
-            </a:r>
-            <a:endParaRPr lang="hu-HU" altLang="hu-HU" sz="2000" dirty="0">
-              <a:latin typeface="inherit"/>
-            </a:endParaRPr>
-          </a:p>
-          <a:p>
-            <a:pPr marL="0" marR="0" lvl="0" indent="0" algn="l" defTabSz="914400" rtl="0" eaLnBrk="0" fontAlgn="base" latinLnBrk="0" hangingPunct="0">
-              <a:lnSpc>
-                <a:spcPct val="100000"/>
-              </a:lnSpc>
-              <a:spcBef>
-                <a:spcPct val="0"/>
-              </a:spcBef>
-              <a:spcAft>
-                <a:spcPct val="0"/>
-              </a:spcAft>
-              <a:buClrTx/>
-              <a:buSzTx/>
-              <a:buFontTx/>
-              <a:buNone/>
-              <a:tabLst/>
-            </a:pPr>
+              <a:rPr lang="hu-HU" altLang="hu-HU" sz="2400" dirty="0" err="1"/>
+              <a:t>about</a:t>
+            </a:r>
+            <a:r>
+              <a:rPr lang="hu-HU" altLang="hu-HU" sz="2400" dirty="0"/>
+              <a:t> an </a:t>
+            </a:r>
+            <a:r>
+              <a:rPr lang="hu-HU" altLang="hu-HU" sz="2400" dirty="0" err="1"/>
+              <a:t>order</a:t>
+            </a:r>
+            <a:r>
+              <a:rPr lang="hu-HU" altLang="hu-HU" sz="2400" dirty="0"/>
+              <a:t>.</a:t>
+            </a:r>
             <a:br>
               <a:rPr kumimoji="0" lang="hu-HU" altLang="hu-HU" sz="1800" b="0" i="0" u="none" strike="noStrike" cap="none" normalizeH="0" baseline="0" dirty="0">
                 <a:ln>
@@ -6070,7 +5885,7 @@
           <p:nvPr/>
         </p:nvSpPr>
         <p:spPr>
-          <a:xfrm rot="20947576">
+          <a:xfrm>
             <a:off x="3032667" y="2967335"/>
             <a:ext cx="6126678" cy="923330"/>
           </a:xfrm>
@@ -6237,13 +6052,13 @@
   <p:clrMapOvr>
     <a:masterClrMapping/>
   </p:clrMapOvr>
-  <mc:AlternateContent xmlns:mc="http://schemas.openxmlformats.org/markup-compatibility/2006">
-    <mc:Choice xmlns:p15="http://schemas.microsoft.com/office/powerpoint/2012/main" Requires="p15">
+  <mc:AlternateContent xmlns:mc="http://schemas.openxmlformats.org/markup-compatibility/2006" xmlns:p15="http://schemas.microsoft.com/office/powerpoint/2012/main">
+    <mc:Choice Requires="p15">
       <p:transition xmlns:p14="http://schemas.microsoft.com/office/powerpoint/2010/main" spd="slow" p14:dur="6000">
         <p15:prstTrans prst="curtains"/>
       </p:transition>
     </mc:Choice>
-    <mc:Fallback>
+    <mc:Fallback xmlns="">
       <p:transition spd="slow">
         <p:fade/>
       </p:transition>
@@ -6293,7 +6108,7 @@
             <a:pPr algn="ctr"/>
             <a:r>
               <a:rPr lang="hu-HU" dirty="0"/>
-              <a:t>Home</a:t>
+              <a:t>Homepage</a:t>
             </a:r>
           </a:p>
         </p:txBody>
@@ -6321,7 +6136,7 @@
           <a:p>
             <a:r>
               <a:rPr lang="hu-HU" dirty="0" err="1"/>
-              <a:t>There</a:t>
+              <a:t>It</a:t>
             </a:r>
             <a:r>
               <a:rPr lang="hu-HU" dirty="0"/>
@@ -6329,15 +6144,51 @@
             </a:r>
             <a:r>
               <a:rPr lang="hu-HU" dirty="0" err="1"/>
-              <a:t>are</a:t>
+              <a:t>contains</a:t>
+            </a:r>
+            <a:r>
+              <a:rPr lang="hu-HU" dirty="0"/>
+              <a:t> 4 </a:t>
+            </a:r>
+            <a:r>
+              <a:rPr lang="hu-HU" dirty="0" err="1"/>
+              <a:t>buttons</a:t>
+            </a:r>
+            <a:r>
+              <a:rPr lang="hu-HU" dirty="0"/>
+              <a:t>:</a:t>
+            </a:r>
+          </a:p>
+          <a:p>
+            <a:pPr lvl="1"/>
+            <a:r>
+              <a:rPr lang="hu-HU" dirty="0"/>
+              <a:t>Home</a:t>
+            </a:r>
+          </a:p>
+          <a:p>
+            <a:pPr lvl="1"/>
+            <a:r>
+              <a:rPr lang="hu-HU" dirty="0"/>
+              <a:t>Login </a:t>
+            </a:r>
+          </a:p>
+          <a:p>
+            <a:pPr lvl="1"/>
+            <a:r>
+              <a:rPr lang="hu-HU" dirty="0" err="1"/>
+              <a:t>Registration</a:t>
             </a:r>
             <a:r>
               <a:rPr lang="hu-HU" dirty="0"/>
               <a:t> </a:t>
             </a:r>
+          </a:p>
+          <a:p>
+            <a:pPr lvl="1"/>
             <a:r>
               <a:rPr lang="hu-HU" dirty="0" err="1"/>
-              <a:t>four</a:t>
+              <a:t>About</a:t>
             </a:r>
             <a:r>
               <a:rPr lang="hu-HU" dirty="0"/>
@@ -6345,39 +6196,11 @@
             </a:r>
             <a:r>
               <a:rPr lang="hu-HU" dirty="0" err="1"/>
-              <a:t>buttons</a:t>
+              <a:t>us</a:t>
             </a:r>
             <a:r>
               <a:rPr lang="hu-HU" dirty="0"/>
-              <a:t>:</a:t>
-            </a:r>
-          </a:p>
-          <a:p>
-            <a:pPr lvl="1"/>
-            <a:r>
-              <a:rPr lang="hu-HU" dirty="0"/>
-              <a:t>Home</a:t>
-            </a:r>
-          </a:p>
-          <a:p>
-            <a:pPr lvl="1"/>
-            <a:r>
-              <a:rPr lang="hu-HU" dirty="0"/>
-              <a:t>Belépés </a:t>
-            </a:r>
-          </a:p>
-          <a:p>
-            <a:pPr lvl="1"/>
-            <a:r>
-              <a:rPr lang="hu-HU" dirty="0"/>
-              <a:t>Regisztráció </a:t>
-            </a:r>
-          </a:p>
-          <a:p>
-            <a:pPr lvl="1"/>
-            <a:r>
-              <a:rPr lang="hu-HU" dirty="0"/>
-              <a:t>Rólunk </a:t>
+              <a:t> </a:t>
             </a:r>
           </a:p>
         </p:txBody>
@@ -6519,7 +6342,7 @@
             </a:r>
             <a:r>
               <a:rPr lang="hu-HU" dirty="0" err="1"/>
-              <a:t>this</a:t>
+              <a:t>order</a:t>
             </a:r>
             <a:r>
               <a:rPr lang="hu-HU" dirty="0"/>
@@ -6527,7 +6350,7 @@
             </a:r>
             <a:r>
               <a:rPr lang="hu-HU" dirty="0" err="1"/>
-              <a:t>page</a:t>
+              <a:t>to</a:t>
             </a:r>
             <a:r>
               <a:rPr lang="hu-HU" dirty="0"/>
@@ -6535,7 +6358,7 @@
             </a:r>
             <a:r>
               <a:rPr lang="hu-HU" dirty="0" err="1"/>
-              <a:t>we</a:t>
+              <a:t>register</a:t>
             </a:r>
             <a:r>
               <a:rPr lang="hu-HU" dirty="0"/>
@@ -6543,7 +6366,7 @@
             </a:r>
             <a:r>
               <a:rPr lang="hu-HU" dirty="0" err="1"/>
-              <a:t>ask</a:t>
+              <a:t>some</a:t>
             </a:r>
             <a:r>
               <a:rPr lang="hu-HU" dirty="0"/>
@@ -6551,39 +6374,15 @@
             </a:r>
             <a:r>
               <a:rPr lang="hu-HU" dirty="0" err="1"/>
-              <a:t>you</a:t>
+              <a:t>information</a:t>
             </a:r>
             <a:r>
               <a:rPr lang="hu-HU" dirty="0"/>
-              <a:t> </a:t>
+              <a:t> is </a:t>
             </a:r>
             <a:r>
               <a:rPr lang="hu-HU" dirty="0" err="1"/>
-              <a:t>to</a:t>
-            </a:r>
-            <a:r>
-              <a:rPr lang="hu-HU" dirty="0"/>
-              <a:t> add </a:t>
-            </a:r>
-            <a:r>
-              <a:rPr lang="hu-HU" dirty="0" err="1"/>
-              <a:t>to</a:t>
-            </a:r>
-            <a:r>
-              <a:rPr lang="hu-HU" dirty="0"/>
-              <a:t> </a:t>
-            </a:r>
-            <a:r>
-              <a:rPr lang="hu-HU" dirty="0" err="1"/>
-              <a:t>us</a:t>
-            </a:r>
-            <a:r>
-              <a:rPr lang="hu-HU" dirty="0"/>
-              <a:t> </a:t>
-            </a:r>
-            <a:r>
-              <a:rPr lang="hu-HU" dirty="0" err="1"/>
-              <a:t>your</a:t>
+              <a:t>nessesary</a:t>
             </a:r>
             <a:r>
               <a:rPr lang="hu-HU" dirty="0"/>
@@ -6795,12 +6594,8 @@
           <a:lstStyle/>
           <a:p>
             <a:r>
-              <a:rPr lang="hu-HU" dirty="0"/>
-              <a:t>Here </a:t>
-            </a:r>
-            <a:r>
               <a:rPr lang="hu-HU" dirty="0" err="1"/>
-              <a:t>if</a:t>
+              <a:t>If</a:t>
             </a:r>
             <a:r>
               <a:rPr lang="hu-HU" dirty="0"/>
@@ -6816,7 +6611,7 @@
             </a:r>
             <a:r>
               <a:rPr lang="hu-HU" dirty="0" err="1"/>
-              <a:t>are</a:t>
+              <a:t>want</a:t>
             </a:r>
             <a:r>
               <a:rPr lang="hu-HU" dirty="0"/>
@@ -6824,7 +6619,15 @@
             </a:r>
             <a:r>
               <a:rPr lang="hu-HU" dirty="0" err="1"/>
-              <a:t>already</a:t>
+              <a:t>to</a:t>
+            </a:r>
+            <a:r>
+              <a:rPr lang="hu-HU" dirty="0"/>
+              <a:t> log in, </a:t>
+            </a:r>
+            <a:r>
+              <a:rPr lang="hu-HU" dirty="0" err="1"/>
+              <a:t>you</a:t>
             </a:r>
             <a:r>
               <a:rPr lang="hu-HU" dirty="0"/>
@@ -6832,7 +6635,7 @@
             </a:r>
             <a:r>
               <a:rPr lang="hu-HU" dirty="0" err="1"/>
-              <a:t>registered</a:t>
+              <a:t>have</a:t>
             </a:r>
             <a:r>
               <a:rPr lang="hu-HU" dirty="0"/>
@@ -6840,7 +6643,7 @@
             </a:r>
             <a:r>
               <a:rPr lang="hu-HU" dirty="0" err="1"/>
-              <a:t>you</a:t>
+              <a:t>to</a:t>
             </a:r>
             <a:r>
               <a:rPr lang="hu-HU" dirty="0"/>
@@ -6848,7 +6651,7 @@
             </a:r>
             <a:r>
               <a:rPr lang="hu-HU" dirty="0" err="1"/>
-              <a:t>need</a:t>
+              <a:t>write</a:t>
             </a:r>
             <a:r>
               <a:rPr lang="hu-HU" dirty="0"/>
@@ -6856,15 +6659,7 @@
             </a:r>
             <a:r>
               <a:rPr lang="hu-HU" dirty="0" err="1"/>
-              <a:t>to</a:t>
-            </a:r>
-            <a:r>
-              <a:rPr lang="hu-HU" dirty="0"/>
-              <a:t> </a:t>
-            </a:r>
-            <a:r>
-              <a:rPr lang="hu-HU" dirty="0" err="1"/>
-              <a:t>know</a:t>
+              <a:t>your</a:t>
             </a:r>
             <a:r>
               <a:rPr lang="hu-HU" dirty="0"/>
@@ -7035,8 +6830,115 @@
           <a:lstStyle/>
           <a:p>
             <a:r>
+              <a:rPr lang="hu-HU" dirty="0" err="1"/>
+              <a:t>This</a:t>
+            </a:r>
+            <a:r>
               <a:rPr lang="hu-HU" dirty="0"/>
-              <a:t>Here </a:t>
+              <a:t> </a:t>
+            </a:r>
+            <a:r>
+              <a:rPr lang="hu-HU" dirty="0" err="1"/>
+              <a:t>page</a:t>
+            </a:r>
+            <a:r>
+              <a:rPr lang="hu-HU" dirty="0"/>
+              <a:t> </a:t>
+            </a:r>
+            <a:r>
+              <a:rPr lang="hu-HU" dirty="0" err="1"/>
+              <a:t>contains</a:t>
+            </a:r>
+            <a:r>
+              <a:rPr lang="hu-HU" dirty="0"/>
+              <a:t> </a:t>
+            </a:r>
+            <a:r>
+              <a:rPr lang="hu-HU" dirty="0" err="1"/>
+              <a:t>our</a:t>
+            </a:r>
+            <a:r>
+              <a:rPr lang="hu-HU" dirty="0"/>
+              <a:t> </a:t>
+            </a:r>
+            <a:r>
+              <a:rPr lang="hu-HU" dirty="0" err="1"/>
+              <a:t>products</a:t>
+            </a:r>
+            <a:endParaRPr lang="hu-HU" dirty="0"/>
+          </a:p>
+          <a:p>
+            <a:r>
+              <a:rPr lang="hu-HU" dirty="0" err="1"/>
+              <a:t>You</a:t>
+            </a:r>
+            <a:r>
+              <a:rPr lang="hu-HU" dirty="0"/>
+              <a:t> </a:t>
+            </a:r>
+            <a:r>
+              <a:rPr lang="hu-HU" dirty="0" err="1"/>
+              <a:t>can</a:t>
+            </a:r>
+            <a:r>
+              <a:rPr lang="hu-HU" dirty="0"/>
+              <a:t> </a:t>
+            </a:r>
+            <a:r>
+              <a:rPr lang="hu-HU" dirty="0" err="1"/>
+              <a:t>choose</a:t>
+            </a:r>
+            <a:r>
+              <a:rPr lang="hu-HU" dirty="0"/>
+              <a:t> </a:t>
+            </a:r>
+            <a:r>
+              <a:rPr lang="hu-HU" dirty="0" err="1"/>
+              <a:t>from</a:t>
+            </a:r>
+            <a:r>
+              <a:rPr lang="hu-HU" dirty="0"/>
+              <a:t> </a:t>
+            </a:r>
+            <a:r>
+              <a:rPr lang="hu-HU" dirty="0" err="1"/>
+              <a:t>the</a:t>
+            </a:r>
+            <a:r>
+              <a:rPr lang="hu-HU" dirty="0"/>
+              <a:t> </a:t>
+            </a:r>
+            <a:r>
+              <a:rPr lang="hu-HU" dirty="0" err="1"/>
+              <a:t>different</a:t>
+            </a:r>
+            <a:r>
+              <a:rPr lang="hu-HU" dirty="0"/>
+              <a:t> </a:t>
+            </a:r>
+            <a:r>
+              <a:rPr lang="hu-HU" dirty="0" err="1"/>
+              <a:t>fields</a:t>
+            </a:r>
+            <a:r>
+              <a:rPr lang="hu-HU" dirty="0"/>
+              <a:t> and </a:t>
+            </a:r>
+            <a:r>
+              <a:rPr lang="hu-HU" dirty="0" err="1"/>
+              <a:t>some</a:t>
+            </a:r>
+            <a:r>
+              <a:rPr lang="hu-HU" dirty="0"/>
+              <a:t> </a:t>
+            </a:r>
+            <a:r>
+              <a:rPr lang="hu-HU" dirty="0" err="1"/>
+              <a:t>characters</a:t>
+            </a:r>
+            <a:r>
+              <a:rPr lang="hu-HU" dirty="0"/>
+              <a:t> and </a:t>
             </a:r>
             <a:r>
               <a:rPr lang="hu-HU" dirty="0" err="1"/>
@@ -7048,114 +6950,19 @@
             </a:r>
             <a:r>
               <a:rPr lang="hu-HU" dirty="0" err="1"/>
-              <a:t>only</a:t>
+              <a:t>can</a:t>
+            </a:r>
+            <a:r>
+              <a:rPr lang="hu-HU" dirty="0"/>
+              <a:t> add </a:t>
+            </a:r>
+            <a:r>
+              <a:rPr lang="hu-HU" dirty="0" err="1"/>
+              <a:t>then</a:t>
             </a:r>
             <a:r>
               <a:rPr lang="hu-HU" dirty="0"/>
               <a:t> </a:t>
-            </a:r>
-            <a:r>
-              <a:rPr lang="hu-HU" dirty="0" err="1"/>
-              <a:t>can</a:t>
-            </a:r>
-            <a:r>
-              <a:rPr lang="hu-HU" dirty="0"/>
-              <a:t> </a:t>
-            </a:r>
-            <a:r>
-              <a:rPr lang="hu-HU" dirty="0" err="1"/>
-              <a:t>see</a:t>
-            </a:r>
-            <a:r>
-              <a:rPr lang="hu-HU" dirty="0"/>
-              <a:t> </a:t>
-            </a:r>
-            <a:r>
-              <a:rPr lang="hu-HU" dirty="0" err="1"/>
-              <a:t>this</a:t>
-            </a:r>
-            <a:r>
-              <a:rPr lang="hu-HU" dirty="0"/>
-              <a:t> </a:t>
-            </a:r>
-            <a:r>
-              <a:rPr lang="hu-HU" dirty="0" err="1"/>
-              <a:t>page</a:t>
-            </a:r>
-            <a:r>
-              <a:rPr lang="hu-HU" dirty="0"/>
-              <a:t> </a:t>
-            </a:r>
-            <a:r>
-              <a:rPr lang="hu-HU" dirty="0" err="1"/>
-              <a:t>if</a:t>
-            </a:r>
-            <a:r>
-              <a:rPr lang="hu-HU" dirty="0"/>
-              <a:t> </a:t>
-            </a:r>
-            <a:r>
-              <a:rPr lang="hu-HU" dirty="0" err="1"/>
-              <a:t>you</a:t>
-            </a:r>
-            <a:r>
-              <a:rPr lang="hu-HU" dirty="0"/>
-              <a:t> </a:t>
-            </a:r>
-            <a:r>
-              <a:rPr lang="hu-HU" dirty="0" err="1"/>
-              <a:t>are</a:t>
-            </a:r>
-            <a:r>
-              <a:rPr lang="hu-HU" dirty="0"/>
-              <a:t> </a:t>
-            </a:r>
-            <a:r>
-              <a:rPr lang="hu-HU" dirty="0" err="1"/>
-              <a:t>loggedin</a:t>
-            </a:r>
-            <a:endParaRPr lang="hu-HU" dirty="0"/>
-          </a:p>
-          <a:p>
-            <a:r>
-              <a:rPr lang="hu-HU" dirty="0" err="1"/>
-              <a:t>Choose</a:t>
-            </a:r>
-            <a:r>
-              <a:rPr lang="hu-HU" dirty="0"/>
-              <a:t> </a:t>
-            </a:r>
-            <a:r>
-              <a:rPr lang="hu-HU" dirty="0" err="1"/>
-              <a:t>the</a:t>
-            </a:r>
-            <a:r>
-              <a:rPr lang="hu-HU" dirty="0"/>
-              <a:t> </a:t>
-            </a:r>
-            <a:r>
-              <a:rPr lang="hu-HU" dirty="0" err="1"/>
-              <a:t>products</a:t>
-            </a:r>
-            <a:r>
-              <a:rPr lang="hu-HU" dirty="0"/>
-              <a:t> </a:t>
-            </a:r>
-            <a:r>
-              <a:rPr lang="hu-HU" dirty="0" err="1"/>
-              <a:t>you</a:t>
-            </a:r>
-            <a:r>
-              <a:rPr lang="hu-HU" dirty="0"/>
-              <a:t> </a:t>
-            </a:r>
-            <a:r>
-              <a:rPr lang="hu-HU" dirty="0" err="1"/>
-              <a:t>need</a:t>
-            </a:r>
-            <a:r>
-              <a:rPr lang="hu-HU" dirty="0"/>
-              <a:t> and add </a:t>
             </a:r>
             <a:r>
               <a:rPr lang="hu-HU" dirty="0" err="1"/>
@@ -7280,7 +7087,12 @@
             <p:ph type="title"/>
           </p:nvPr>
         </p:nvSpPr>
-        <p:spPr/>
+        <p:spPr>
+          <a:xfrm>
+            <a:off x="6434666" y="365125"/>
+            <a:ext cx="4919133" cy="1325563"/>
+          </a:xfrm>
+        </p:spPr>
         <p:txBody>
           <a:bodyPr/>
           <a:lstStyle/>
@@ -7323,7 +7135,7 @@
         </p:blipFill>
         <p:spPr>
           <a:xfrm>
-            <a:off x="5625967" y="2818151"/>
+            <a:off x="5855975" y="2181098"/>
             <a:ext cx="6336025" cy="2890191"/>
           </a:xfrm>
           <a:prstGeom prst="rect">
@@ -7357,8 +7169,8 @@
         </p:nvSpPr>
         <p:spPr>
           <a:xfrm>
-            <a:off x="523783" y="2933561"/>
-            <a:ext cx="5246702" cy="1477328"/>
+            <a:off x="235915" y="377407"/>
+            <a:ext cx="5246702" cy="2308324"/>
           </a:xfrm>
           <a:prstGeom prst="rect">
             <a:avLst/>
@@ -7376,8 +7188,28 @@
               <a:buChar char="•"/>
             </a:pPr>
             <a:r>
+              <a:rPr lang="hu-HU" sz="2400" dirty="0" err="1"/>
+              <a:t>It</a:t>
+            </a:r>
+            <a:r>
               <a:rPr lang="hu-HU" sz="2400" dirty="0"/>
-              <a:t>List of </a:t>
+              <a:t> </a:t>
+            </a:r>
+            <a:r>
+              <a:rPr lang="hu-HU" sz="2400" dirty="0" err="1"/>
+              <a:t>list</a:t>
+            </a:r>
+            <a:r>
+              <a:rPr lang="hu-HU" sz="2400" dirty="0"/>
+              <a:t> </a:t>
+            </a:r>
+            <a:r>
+              <a:rPr lang="hu-HU" sz="2400" dirty="0" err="1"/>
+              <a:t>all</a:t>
+            </a:r>
+            <a:r>
+              <a:rPr lang="hu-HU" sz="2400" dirty="0"/>
+              <a:t> </a:t>
             </a:r>
             <a:r>
               <a:rPr lang="hu-HU" sz="2400" dirty="0" err="1"/>
@@ -7389,12 +7221,57 @@
             </a:r>
             <a:r>
               <a:rPr lang="hu-HU" sz="2400" dirty="0" err="1"/>
-              <a:t>items</a:t>
+              <a:t>products</a:t>
             </a:r>
             <a:r>
               <a:rPr lang="hu-HU" sz="2400" dirty="0"/>
               <a:t> </a:t>
             </a:r>
+            <a:r>
+              <a:rPr lang="hu-HU" sz="2400" dirty="0" err="1"/>
+              <a:t>you</a:t>
+            </a:r>
+            <a:r>
+              <a:rPr lang="hu-HU" sz="2400" dirty="0"/>
+              <a:t> </a:t>
+            </a:r>
+            <a:r>
+              <a:rPr lang="hu-HU" sz="2400" dirty="0" err="1"/>
+              <a:t>want</a:t>
+            </a:r>
+            <a:r>
+              <a:rPr lang="hu-HU" sz="2400" dirty="0"/>
+              <a:t> </a:t>
+            </a:r>
+            <a:r>
+              <a:rPr lang="hu-HU" sz="2400" dirty="0" err="1"/>
+              <a:t>to</a:t>
+            </a:r>
+            <a:r>
+              <a:rPr lang="hu-HU" sz="2400" dirty="0"/>
+              <a:t> </a:t>
+            </a:r>
+            <a:r>
+              <a:rPr lang="hu-HU" sz="2400" dirty="0" err="1"/>
+              <a:t>buy</a:t>
+            </a:r>
+            <a:r>
+              <a:rPr lang="hu-HU" sz="2400" dirty="0"/>
+              <a:t> and </a:t>
+            </a:r>
+            <a:r>
+              <a:rPr lang="hu-HU" sz="2400" dirty="0" err="1"/>
+              <a:t>their</a:t>
+            </a:r>
+            <a:r>
+              <a:rPr lang="hu-HU" sz="2400" dirty="0"/>
+              <a:t> </a:t>
+            </a:r>
+            <a:r>
+              <a:rPr lang="hu-HU" sz="2400" dirty="0" err="1"/>
+              <a:t>prices</a:t>
+            </a:r>
+            <a:endParaRPr lang="hu-HU" sz="2400" dirty="0"/>
           </a:p>
           <a:p>
             <a:pPr marL="285750" indent="-285750">
@@ -7402,23 +7279,52 @@
               <a:buChar char="•"/>
             </a:pPr>
             <a:r>
+              <a:rPr lang="hu-HU" sz="2400" dirty="0" err="1"/>
+              <a:t>If</a:t>
+            </a:r>
+            <a:r>
               <a:rPr lang="hu-HU" sz="2400" dirty="0"/>
-              <a:t>Total </a:t>
+              <a:t> </a:t>
             </a:r>
             <a:r>
               <a:rPr lang="hu-HU" sz="2400" dirty="0" err="1"/>
-              <a:t>price</a:t>
-            </a:r>
-            <a:endParaRPr lang="hu-HU" sz="2400" dirty="0"/>
-          </a:p>
-          <a:p>
-            <a:pPr marL="285750" indent="-285750">
-              <a:buFont typeface="Arial" panose="020B0604020202020204" pitchFamily="34" charset="0"/>
-              <a:buChar char="•"/>
-            </a:pPr>
+              <a:t>you</a:t>
+            </a:r>
             <a:r>
               <a:rPr lang="hu-HU" sz="2400" dirty="0"/>
-              <a:t>„Fizetés” </a:t>
+              <a:t> </a:t>
+            </a:r>
+            <a:r>
+              <a:rPr lang="hu-HU" sz="2400" dirty="0" err="1"/>
+              <a:t>click</a:t>
+            </a:r>
+            <a:r>
+              <a:rPr lang="hu-HU" sz="2400" dirty="0"/>
+              <a:t> </a:t>
+            </a:r>
+            <a:r>
+              <a:rPr lang="hu-HU" sz="2400" dirty="0" err="1"/>
+              <a:t>on</a:t>
+            </a:r>
+            <a:r>
+              <a:rPr lang="hu-HU" sz="2400" dirty="0"/>
+              <a:t> </a:t>
+            </a:r>
+            <a:r>
+              <a:rPr lang="hu-HU" sz="2400" dirty="0" err="1"/>
+              <a:t>the</a:t>
+            </a:r>
+            <a:r>
+              <a:rPr lang="hu-HU" sz="2400" dirty="0"/>
+              <a:t> </a:t>
+            </a:r>
+            <a:r>
+              <a:rPr lang="hu-HU" sz="2400" dirty="0" err="1"/>
+              <a:t>Pay</a:t>
+            </a:r>
+            <a:r>
+              <a:rPr lang="hu-HU" sz="2400" dirty="0"/>
+              <a:t>/Fizetés </a:t>
             </a:r>
             <a:r>
               <a:rPr lang="hu-HU" sz="2400" dirty="0" err="1"/>
@@ -7426,11 +7332,11 @@
             </a:r>
             <a:r>
               <a:rPr lang="hu-HU" sz="2400" dirty="0"/>
-              <a:t> – </a:t>
+              <a:t> </a:t>
             </a:r>
             <a:r>
               <a:rPr lang="hu-HU" sz="2400" dirty="0" err="1"/>
-              <a:t>pay</a:t>
+              <a:t>you</a:t>
             </a:r>
             <a:r>
               <a:rPr lang="hu-HU" sz="2400" dirty="0"/>
@@ -7438,7 +7344,7 @@
             </a:r>
             <a:r>
               <a:rPr lang="hu-HU" sz="2400" dirty="0" err="1"/>
-              <a:t>the</a:t>
+              <a:t>are</a:t>
             </a:r>
             <a:r>
               <a:rPr lang="hu-HU" sz="2400" dirty="0"/>
@@ -7446,19 +7352,136 @@
             </a:r>
             <a:r>
               <a:rPr lang="hu-HU" sz="2400" dirty="0" err="1"/>
-              <a:t>items</a:t>
+              <a:t>directed</a:t>
+            </a:r>
+            <a:r>
+              <a:rPr lang="hu-HU" sz="2400" dirty="0"/>
+              <a:t> </a:t>
+            </a:r>
+            <a:r>
+              <a:rPr lang="hu-HU" sz="2400" dirty="0" err="1"/>
+              <a:t>to</a:t>
+            </a:r>
+            <a:r>
+              <a:rPr lang="hu-HU" sz="2400" dirty="0"/>
+              <a:t> </a:t>
+            </a:r>
+            <a:r>
+              <a:rPr lang="hu-HU" sz="2400" dirty="0" err="1"/>
+              <a:t>the</a:t>
+            </a:r>
+            <a:r>
+              <a:rPr lang="hu-HU" sz="2400" dirty="0"/>
+              <a:t> </a:t>
+            </a:r>
+            <a:r>
+              <a:rPr lang="hu-HU" sz="2400" dirty="0" err="1"/>
+              <a:t>page</a:t>
+            </a:r>
+            <a:r>
+              <a:rPr lang="hu-HU" sz="2400" dirty="0"/>
+              <a:t> </a:t>
+            </a:r>
+            <a:r>
+              <a:rPr lang="hu-HU" sz="2400" dirty="0" err="1"/>
+              <a:t>where</a:t>
+            </a:r>
+            <a:r>
+              <a:rPr lang="hu-HU" sz="2400" dirty="0"/>
+              <a:t> </a:t>
+            </a:r>
+            <a:r>
+              <a:rPr lang="hu-HU" sz="2400" dirty="0" err="1"/>
+              <a:t>you</a:t>
+            </a:r>
+            <a:r>
+              <a:rPr lang="hu-HU" sz="2400" dirty="0"/>
+              <a:t> </a:t>
+            </a:r>
+            <a:r>
+              <a:rPr lang="hu-HU" sz="2400" dirty="0" err="1"/>
+              <a:t>have</a:t>
+            </a:r>
+            <a:r>
+              <a:rPr lang="hu-HU" sz="2400" dirty="0"/>
+              <a:t> </a:t>
+            </a:r>
+            <a:r>
+              <a:rPr lang="hu-HU" sz="2400" dirty="0" err="1"/>
+              <a:t>to</a:t>
+            </a:r>
+            <a:r>
+              <a:rPr lang="hu-HU" sz="2400" dirty="0"/>
+              <a:t> </a:t>
+            </a:r>
+            <a:r>
+              <a:rPr lang="hu-HU" sz="2400" dirty="0" err="1"/>
+              <a:t>give</a:t>
+            </a:r>
+            <a:r>
+              <a:rPr lang="hu-HU" sz="2400" dirty="0"/>
+              <a:t> </a:t>
+            </a:r>
+            <a:r>
+              <a:rPr lang="hu-HU" sz="2400" dirty="0" err="1"/>
+              <a:t>your</a:t>
+            </a:r>
+            <a:r>
+              <a:rPr lang="hu-HU" sz="2400" dirty="0"/>
+              <a:t> credit </a:t>
+            </a:r>
+            <a:r>
+              <a:rPr lang="hu-HU" sz="2400" dirty="0" err="1"/>
+              <a:t>ard</a:t>
+            </a:r>
+            <a:r>
+              <a:rPr lang="hu-HU" sz="2400" dirty="0"/>
+              <a:t> </a:t>
+            </a:r>
+            <a:r>
+              <a:rPr lang="hu-HU" sz="2400" dirty="0" err="1"/>
+              <a:t>details</a:t>
             </a:r>
             <a:endParaRPr lang="hu-HU" sz="2400" dirty="0"/>
           </a:p>
-          <a:p>
-            <a:pPr marL="285750" indent="-285750">
-              <a:buFont typeface="Arial" panose="020B0604020202020204" pitchFamily="34" charset="0"/>
-              <a:buChar char="•"/>
-            </a:pPr>
-            <a:endParaRPr lang="hu-HU" dirty="0"/>
-          </a:p>
-        </p:txBody>
-      </p:sp>
+        </p:txBody>
+      </p:sp>
+      <p:pic>
+        <p:nvPicPr>
+          <p:cNvPr id="4" name="Picture 3" descr="A screenshot of a computer&#10;&#10;Description automatically generated">
+            <a:extLst>
+              <a:ext uri="{FF2B5EF4-FFF2-40B4-BE49-F238E27FC236}">
+                <a16:creationId xmlns:a16="http://schemas.microsoft.com/office/drawing/2014/main" id="{8B93BFFC-5883-3DBE-B439-6808AC44AAE8}"/>
+              </a:ext>
+            </a:extLst>
+          </p:cNvPr>
+          <p:cNvPicPr>
+            <a:picLocks noChangeAspect="1"/>
+          </p:cNvPicPr>
+          <p:nvPr/>
+        </p:nvPicPr>
+        <p:blipFill>
+          <a:blip r:embed="rId3">
+            <a:extLst>
+              <a:ext uri="{28A0092B-C50C-407E-A947-70E740481C1C}">
+                <a14:useLocalDpi xmlns:a14="http://schemas.microsoft.com/office/drawing/2010/main" val="0"/>
+              </a:ext>
+            </a:extLst>
+          </a:blip>
+          <a:stretch>
+            <a:fillRect/>
+          </a:stretch>
+        </p:blipFill>
+        <p:spPr>
+          <a:xfrm>
+            <a:off x="235915" y="2685731"/>
+            <a:ext cx="5246703" cy="4122930"/>
+          </a:xfrm>
+          <a:prstGeom prst="rect">
+            <a:avLst/>
+          </a:prstGeom>
+        </p:spPr>
+      </p:pic>
     </p:spTree>
     <p:extLst>
       <p:ext uri="{BB962C8B-B14F-4D97-AF65-F5344CB8AC3E}">
@@ -7516,7 +7539,7 @@
             <a:pPr algn="ctr"/>
             <a:r>
               <a:rPr lang="hu-HU" dirty="0" err="1"/>
-              <a:t>Who</a:t>
+              <a:t>About</a:t>
             </a:r>
             <a:r>
               <a:rPr lang="hu-HU" dirty="0"/>
@@ -7524,29 +7547,18 @@
             </a:r>
             <a:r>
               <a:rPr lang="hu-HU" dirty="0" err="1"/>
-              <a:t>we</a:t>
-            </a:r>
-            <a:r>
-              <a:rPr lang="hu-HU" dirty="0"/>
-              <a:t> </a:t>
-            </a:r>
-            <a:r>
-              <a:rPr lang="hu-HU" dirty="0" err="1"/>
-              <a:t>are</a:t>
-            </a:r>
-            <a:r>
-              <a:rPr lang="hu-HU" dirty="0"/>
-              <a:t>?</a:t>
-            </a:r>
+              <a:t>us</a:t>
+            </a:r>
+            <a:endParaRPr lang="hu-HU" dirty="0"/>
           </a:p>
         </p:txBody>
       </p:sp>
       <p:pic>
         <p:nvPicPr>
-          <p:cNvPr id="5" name="Tartalom helye 4" descr="A képen szöveg, képernyőkép, szoftver, Operációs rendszer látható&#10;&#10;Automatikusan generált leírás">
-            <a:extLst>
-              <a:ext uri="{FF2B5EF4-FFF2-40B4-BE49-F238E27FC236}">
-                <a16:creationId xmlns:a16="http://schemas.microsoft.com/office/drawing/2014/main" id="{BE017BE6-19E4-6157-335C-7F06F263B2B4}"/>
+          <p:cNvPr id="7" name="Content Placeholder 6" descr="A screenshot of a social media account&#10;&#10;Description automatically generated">
+            <a:extLst>
+              <a:ext uri="{FF2B5EF4-FFF2-40B4-BE49-F238E27FC236}">
+                <a16:creationId xmlns:a16="http://schemas.microsoft.com/office/drawing/2014/main" id="{7EC30E2A-BB0A-4DAE-5F43-08872551C851}"/>
               </a:ext>
             </a:extLst>
           </p:cNvPr>
@@ -7557,7 +7569,7 @@
             <p:ph idx="1"/>
           </p:nvPr>
         </p:nvPicPr>
-        <p:blipFill rotWithShape="1">
+        <p:blipFill>
           <a:blip r:embed="rId2">
             <a:extLst>
               <a:ext uri="{28A0092B-C50C-407E-A947-70E740481C1C}">
@@ -7565,29 +7577,15 @@
               </a:ext>
             </a:extLst>
           </a:blip>
-          <a:srcRect l="19459" r="18533" b="49942"/>
-          <a:stretch/>
+          <a:stretch>
+            <a:fillRect/>
+          </a:stretch>
         </p:blipFill>
         <p:spPr>
           <a:xfrm>
-            <a:off x="1775534" y="2065322"/>
-            <a:ext cx="9044681" cy="3429956"/>
+            <a:off x="1582553" y="1690688"/>
+            <a:ext cx="9026893" cy="4351338"/>
           </a:xfrm>
-          <a:prstGeom prst="rect">
-            <a:avLst/>
-          </a:prstGeom>
-          <a:ln w="228600" cap="sq" cmpd="thickThin">
-            <a:solidFill>
-              <a:srgbClr val="000000"/>
-            </a:solidFill>
-            <a:prstDash val="solid"/>
-            <a:miter lim="800000"/>
-          </a:ln>
-          <a:effectLst>
-            <a:innerShdw blurRad="76200">
-              <a:srgbClr val="000000"/>
-            </a:innerShdw>
-          </a:effectLst>
         </p:spPr>
       </p:pic>
     </p:spTree>
